--- a/Presentación personal/Presentación Ecobici.pptx
+++ b/Presentación personal/Presentación Ecobici.pptx
@@ -1,6 +1,6 @@
 
 <file path=ppt/presentation.xml><?xml version="1.0" encoding="utf-8"?>
-<p:presentation xmlns:a="http://schemas.openxmlformats.org/drawingml/2006/main" xmlns:r="http://schemas.openxmlformats.org/officeDocument/2006/relationships" xmlns:mc="http://schemas.openxmlformats.org/markup-compatibility/2006" xmlns:mv="urn:schemas-microsoft-com:mac:vml" xmlns:p="http://schemas.openxmlformats.org/presentationml/2006/main" xmlns:c="http://schemas.openxmlformats.org/drawingml/2006/chart" xmlns:dgm="http://schemas.openxmlformats.org/drawingml/2006/diagram" xmlns:o="urn:schemas-microsoft-com:office:office" xmlns:v="urn:schemas-microsoft-com:vml" xmlns:pvml="urn:schemas-microsoft-com:office:powerpoint" xmlns:com="http://schemas.openxmlformats.org/drawingml/2006/compatibility" xmlns:p14="http://schemas.microsoft.com/office/powerpoint/2010/main" xmlns:p15="http://schemas.microsoft.com/office/powerpoint/2012/main" autoCompressPictures="0" strictFirstAndLastChars="0" saveSubsetFonts="1">
+<p:presentation xmlns:a="http://schemas.openxmlformats.org/drawingml/2006/main" xmlns:r="http://schemas.openxmlformats.org/officeDocument/2006/relationships" xmlns:mc="http://schemas.openxmlformats.org/markup-compatibility/2006" xmlns:mv="urn:schemas-microsoft-com:mac:vml" xmlns:p="http://schemas.openxmlformats.org/presentationml/2006/main" xmlns:c="http://schemas.openxmlformats.org/drawingml/2006/chart" xmlns:dgm="http://schemas.openxmlformats.org/drawingml/2006/diagram" xmlns:o="urn:schemas-microsoft-com:office:office" xmlns:v="urn:schemas-microsoft-com:vml" xmlns:pvml="urn:schemas-microsoft-com:office:powerpoint" xmlns:com="http://schemas.openxmlformats.org/drawingml/2006/compatibility" xmlns:p14="http://schemas.microsoft.com/office/powerpoint/2010/main" xmlns:p15="http://schemas.microsoft.com/office/powerpoint/2012/main" autoCompressPictures="0" embedTrueTypeFonts="1" strictFirstAndLastChars="0" saveSubsetFonts="1">
   <p:sldMasterIdLst>
     <p:sldMasterId id="2147483659" r:id="rId4"/>
   </p:sldMasterIdLst>
@@ -21,9 +21,27 @@
     <p:sldId id="266" r:id="rId16"/>
     <p:sldId id="267" r:id="rId17"/>
     <p:sldId id="268" r:id="rId18"/>
+    <p:sldId id="269" r:id="rId19"/>
+    <p:sldId id="270" r:id="rId20"/>
   </p:sldIdLst>
   <p:sldSz cy="5143500" cx="9144000"/>
   <p:notesSz cx="6858000" cy="9144000"/>
+  <p:embeddedFontLst>
+    <p:embeddedFont>
+      <p:font typeface="Raleway"/>
+      <p:regular r:id="rId21"/>
+      <p:bold r:id="rId22"/>
+      <p:italic r:id="rId23"/>
+      <p:boldItalic r:id="rId24"/>
+    </p:embeddedFont>
+    <p:embeddedFont>
+      <p:font typeface="Lato"/>
+      <p:regular r:id="rId25"/>
+      <p:bold r:id="rId26"/>
+      <p:italic r:id="rId27"/>
+      <p:boldItalic r:id="rId28"/>
+    </p:embeddedFont>
+  </p:embeddedFontLst>
   <p:defaultTextStyle>
     <a:defPPr lvl="0" marR="0" rtl="0" algn="l">
       <a:lnSpc>
@@ -816,7 +834,7 @@
       </p:grpSpPr>
       <p:sp>
         <p:nvSpPr>
-          <p:cNvPr id="141" name="Google Shape;141;g6ae65bc7ad_0_12:notes"/>
+          <p:cNvPr id="141" name="Google Shape;141;g6b009538b2_0_0:notes"/>
           <p:cNvSpPr/>
           <p:nvPr>
             <p:ph idx="2" type="sldImg"/>
@@ -851,7 +869,7 @@
       </p:sp>
       <p:sp>
         <p:nvSpPr>
-          <p:cNvPr id="142" name="Google Shape;142;g6ae65bc7ad_0_12:notes"/>
+          <p:cNvPr id="142" name="Google Shape;142;g6b009538b2_0_0:notes"/>
           <p:cNvSpPr txBox="1"/>
           <p:nvPr>
             <p:ph idx="1" type="body"/>
@@ -901,7 +919,7 @@
   <p:cSld>
     <p:spTree>
       <p:nvGrpSpPr>
-        <p:cNvPr id="148" name="Shape 148"/>
+        <p:cNvPr id="149" name="Shape 149"/>
         <p:cNvGrpSpPr/>
         <p:nvPr/>
       </p:nvGrpSpPr>
@@ -915,7 +933,7 @@
       </p:grpSpPr>
       <p:sp>
         <p:nvSpPr>
-          <p:cNvPr id="149" name="Google Shape;149;g6ae65bc7ad_0_2:notes"/>
+          <p:cNvPr id="150" name="Google Shape;150;g6ae65bc7ad_0_12:notes"/>
           <p:cNvSpPr/>
           <p:nvPr>
             <p:ph idx="2" type="sldImg"/>
@@ -950,7 +968,7 @@
       </p:sp>
       <p:sp>
         <p:nvSpPr>
-          <p:cNvPr id="150" name="Google Shape;150;g6ae65bc7ad_0_2:notes"/>
+          <p:cNvPr id="151" name="Google Shape;151;g6ae65bc7ad_0_12:notes"/>
           <p:cNvSpPr txBox="1"/>
           <p:nvPr>
             <p:ph idx="1" type="body"/>
@@ -1000,7 +1018,7 @@
   <p:cSld>
     <p:spTree>
       <p:nvGrpSpPr>
-        <p:cNvPr id="156" name="Shape 156"/>
+        <p:cNvPr id="157" name="Shape 157"/>
         <p:cNvGrpSpPr/>
         <p:nvPr/>
       </p:nvGrpSpPr>
@@ -1014,7 +1032,7 @@
       </p:grpSpPr>
       <p:sp>
         <p:nvSpPr>
-          <p:cNvPr id="157" name="Google Shape;157;g6ae65bc7ad_0_19:notes"/>
+          <p:cNvPr id="158" name="Google Shape;158;g6ae65bc7ad_0_2:notes"/>
           <p:cNvSpPr/>
           <p:nvPr>
             <p:ph idx="2" type="sldImg"/>
@@ -1049,7 +1067,7 @@
       </p:sp>
       <p:sp>
         <p:nvSpPr>
-          <p:cNvPr id="158" name="Google Shape;158;g6ae65bc7ad_0_19:notes"/>
+          <p:cNvPr id="159" name="Google Shape;159;g6ae65bc7ad_0_2:notes"/>
           <p:cNvSpPr txBox="1"/>
           <p:nvPr>
             <p:ph idx="1" type="body"/>
@@ -1099,7 +1117,7 @@
   <p:cSld>
     <p:spTree>
       <p:nvGrpSpPr>
-        <p:cNvPr id="166" name="Shape 166"/>
+        <p:cNvPr id="165" name="Shape 165"/>
         <p:cNvGrpSpPr/>
         <p:nvPr/>
       </p:nvGrpSpPr>
@@ -1113,7 +1131,7 @@
       </p:grpSpPr>
       <p:sp>
         <p:nvSpPr>
-          <p:cNvPr id="167" name="Google Shape;167;g6ae65bc7ad_0_36:notes"/>
+          <p:cNvPr id="166" name="Google Shape;166;g6ae65bc7ad_0_19:notes"/>
           <p:cNvSpPr/>
           <p:nvPr>
             <p:ph idx="2" type="sldImg"/>
@@ -1148,7 +1166,205 @@
       </p:sp>
       <p:sp>
         <p:nvSpPr>
-          <p:cNvPr id="168" name="Google Shape;168;g6ae65bc7ad_0_36:notes"/>
+          <p:cNvPr id="167" name="Google Shape;167;g6ae65bc7ad_0_19:notes"/>
+          <p:cNvSpPr txBox="1"/>
+          <p:nvPr>
+            <p:ph idx="1" type="body"/>
+          </p:nvPr>
+        </p:nvSpPr>
+        <p:spPr>
+          <a:xfrm>
+            <a:off x="685800" y="4343400"/>
+            <a:ext cx="5486400" cy="4114800"/>
+          </a:xfrm>
+          <a:prstGeom prst="rect">
+            <a:avLst/>
+          </a:prstGeom>
+        </p:spPr>
+        <p:txBody>
+          <a:bodyPr anchorCtr="0" anchor="t" bIns="91425" lIns="91425" spcFirstLastPara="1" rIns="91425" wrap="square" tIns="91425">
+            <a:noAutofit/>
+          </a:bodyPr>
+          <a:lstStyle/>
+          <a:p>
+            <a:pPr indent="0" lvl="0" marL="0" rtl="0" algn="l">
+              <a:spcBef>
+                <a:spcPts val="0"/>
+              </a:spcBef>
+              <a:spcAft>
+                <a:spcPts val="0"/>
+              </a:spcAft>
+              <a:buNone/>
+            </a:pPr>
+            <a:r>
+              <a:t/>
+            </a:r>
+            <a:endParaRPr/>
+          </a:p>
+        </p:txBody>
+      </p:sp>
+    </p:spTree>
+  </p:cSld>
+  <p:clrMapOvr>
+    <a:masterClrMapping/>
+  </p:clrMapOvr>
+</p:notes>
+</file>
+
+<file path=ppt/notesSlides/notesSlide14.xml><?xml version="1.0" encoding="utf-8"?>
+<p:notes xmlns:a="http://schemas.openxmlformats.org/drawingml/2006/main" xmlns:r="http://schemas.openxmlformats.org/officeDocument/2006/relationships" xmlns:mc="http://schemas.openxmlformats.org/markup-compatibility/2006" xmlns:mv="urn:schemas-microsoft-com:mac:vml" xmlns:p="http://schemas.openxmlformats.org/presentationml/2006/main" xmlns:c="http://schemas.openxmlformats.org/drawingml/2006/chart" xmlns:dgm="http://schemas.openxmlformats.org/drawingml/2006/diagram" xmlns:o="urn:schemas-microsoft-com:office:office" xmlns:v="urn:schemas-microsoft-com:vml" xmlns:pvml="urn:schemas-microsoft-com:office:powerpoint" xmlns:com="http://schemas.openxmlformats.org/drawingml/2006/compatibility" xmlns:p14="http://schemas.microsoft.com/office/powerpoint/2010/main" xmlns:p15="http://schemas.microsoft.com/office/powerpoint/2012/main" showMasterPhAnim="0" showMasterSp="0">
+  <p:cSld>
+    <p:spTree>
+      <p:nvGrpSpPr>
+        <p:cNvPr id="175" name="Shape 175"/>
+        <p:cNvGrpSpPr/>
+        <p:nvPr/>
+      </p:nvGrpSpPr>
+      <p:grpSpPr>
+        <a:xfrm>
+          <a:off x="0" y="0"/>
+          <a:ext cx="0" cy="0"/>
+          <a:chOff x="0" y="0"/>
+          <a:chExt cx="0" cy="0"/>
+        </a:xfrm>
+      </p:grpSpPr>
+      <p:sp>
+        <p:nvSpPr>
+          <p:cNvPr id="176" name="Google Shape;176;g6ae65bc7ad_0_36:notes"/>
+          <p:cNvSpPr/>
+          <p:nvPr>
+            <p:ph idx="2" type="sldImg"/>
+          </p:nvPr>
+        </p:nvSpPr>
+        <p:spPr>
+          <a:xfrm>
+            <a:off x="381300" y="685800"/>
+            <a:ext cx="6096000" cy="3429000"/>
+          </a:xfrm>
+          <a:custGeom>
+            <a:rect b="b" l="l" r="r" t="t"/>
+            <a:pathLst>
+              <a:path extrusionOk="0" h="120000" w="120000">
+                <a:moveTo>
+                  <a:pt x="0" y="0"/>
+                </a:moveTo>
+                <a:lnTo>
+                  <a:pt x="120000" y="0"/>
+                </a:lnTo>
+                <a:lnTo>
+                  <a:pt x="120000" y="120000"/>
+                </a:lnTo>
+                <a:lnTo>
+                  <a:pt x="0" y="120000"/>
+                </a:lnTo>
+                <a:close/>
+              </a:path>
+            </a:pathLst>
+          </a:custGeom>
+        </p:spPr>
+      </p:sp>
+      <p:sp>
+        <p:nvSpPr>
+          <p:cNvPr id="177" name="Google Shape;177;g6ae65bc7ad_0_36:notes"/>
+          <p:cNvSpPr txBox="1"/>
+          <p:nvPr>
+            <p:ph idx="1" type="body"/>
+          </p:nvPr>
+        </p:nvSpPr>
+        <p:spPr>
+          <a:xfrm>
+            <a:off x="685800" y="4343400"/>
+            <a:ext cx="5486400" cy="4114800"/>
+          </a:xfrm>
+          <a:prstGeom prst="rect">
+            <a:avLst/>
+          </a:prstGeom>
+        </p:spPr>
+        <p:txBody>
+          <a:bodyPr anchorCtr="0" anchor="t" bIns="91425" lIns="91425" spcFirstLastPara="1" rIns="91425" wrap="square" tIns="91425">
+            <a:noAutofit/>
+          </a:bodyPr>
+          <a:lstStyle/>
+          <a:p>
+            <a:pPr indent="0" lvl="0" marL="0" rtl="0" algn="l">
+              <a:spcBef>
+                <a:spcPts val="0"/>
+              </a:spcBef>
+              <a:spcAft>
+                <a:spcPts val="0"/>
+              </a:spcAft>
+              <a:buNone/>
+            </a:pPr>
+            <a:r>
+              <a:t/>
+            </a:r>
+            <a:endParaRPr/>
+          </a:p>
+        </p:txBody>
+      </p:sp>
+    </p:spTree>
+  </p:cSld>
+  <p:clrMapOvr>
+    <a:masterClrMapping/>
+  </p:clrMapOvr>
+</p:notes>
+</file>
+
+<file path=ppt/notesSlides/notesSlide15.xml><?xml version="1.0" encoding="utf-8"?>
+<p:notes xmlns:a="http://schemas.openxmlformats.org/drawingml/2006/main" xmlns:r="http://schemas.openxmlformats.org/officeDocument/2006/relationships" xmlns:mc="http://schemas.openxmlformats.org/markup-compatibility/2006" xmlns:mv="urn:schemas-microsoft-com:mac:vml" xmlns:p="http://schemas.openxmlformats.org/presentationml/2006/main" xmlns:c="http://schemas.openxmlformats.org/drawingml/2006/chart" xmlns:dgm="http://schemas.openxmlformats.org/drawingml/2006/diagram" xmlns:o="urn:schemas-microsoft-com:office:office" xmlns:v="urn:schemas-microsoft-com:vml" xmlns:pvml="urn:schemas-microsoft-com:office:powerpoint" xmlns:com="http://schemas.openxmlformats.org/drawingml/2006/compatibility" xmlns:p14="http://schemas.microsoft.com/office/powerpoint/2010/main" xmlns:p15="http://schemas.microsoft.com/office/powerpoint/2012/main" showMasterPhAnim="0" showMasterSp="0">
+  <p:cSld>
+    <p:spTree>
+      <p:nvGrpSpPr>
+        <p:cNvPr id="180" name="Shape 180"/>
+        <p:cNvGrpSpPr/>
+        <p:nvPr/>
+      </p:nvGrpSpPr>
+      <p:grpSpPr>
+        <a:xfrm>
+          <a:off x="0" y="0"/>
+          <a:ext cx="0" cy="0"/>
+          <a:chOff x="0" y="0"/>
+          <a:chExt cx="0" cy="0"/>
+        </a:xfrm>
+      </p:grpSpPr>
+      <p:sp>
+        <p:nvSpPr>
+          <p:cNvPr id="181" name="Google Shape;181;g70b3f1c667_0_1:notes"/>
+          <p:cNvSpPr/>
+          <p:nvPr>
+            <p:ph idx="2" type="sldImg"/>
+          </p:nvPr>
+        </p:nvSpPr>
+        <p:spPr>
+          <a:xfrm>
+            <a:off x="381300" y="685800"/>
+            <a:ext cx="6096000" cy="3429000"/>
+          </a:xfrm>
+          <a:custGeom>
+            <a:rect b="b" l="l" r="r" t="t"/>
+            <a:pathLst>
+              <a:path extrusionOk="0" h="120000" w="120000">
+                <a:moveTo>
+                  <a:pt x="0" y="0"/>
+                </a:moveTo>
+                <a:lnTo>
+                  <a:pt x="120000" y="0"/>
+                </a:lnTo>
+                <a:lnTo>
+                  <a:pt x="120000" y="120000"/>
+                </a:lnTo>
+                <a:lnTo>
+                  <a:pt x="0" y="120000"/>
+                </a:lnTo>
+                <a:close/>
+              </a:path>
+            </a:pathLst>
+          </a:custGeom>
+        </p:spPr>
+      </p:sp>
+      <p:sp>
+        <p:nvSpPr>
+          <p:cNvPr id="182" name="Google Shape;182;g70b3f1c667_0_1:notes"/>
           <p:cNvSpPr txBox="1"/>
           <p:nvPr>
             <p:ph idx="1" type="body"/>
@@ -8119,7 +8335,7 @@
         <p:spPr>
           <a:xfrm>
             <a:off x="223100" y="104550"/>
-            <a:ext cx="7844400" cy="4934400"/>
+            <a:ext cx="7647000" cy="4934400"/>
           </a:xfrm>
           <a:prstGeom prst="rect">
             <a:avLst/>
@@ -8189,7 +8405,59 @@
                 <a:cs typeface="Lato"/>
                 <a:sym typeface="Lato"/>
               </a:rPr>
-              <a:t>d. El grupo etario - creado por mí- que más utilizó EcoBici fue “jóvenes” con 1.046.796 retiros.</a:t>
+              <a:t>c.1. La </a:t>
+            </a:r>
+            <a:r>
+              <a:rPr lang="es-419" sz="1400">
+                <a:latin typeface="Lato"/>
+                <a:ea typeface="Lato"/>
+                <a:cs typeface="Lato"/>
+                <a:sym typeface="Lato"/>
+              </a:rPr>
+              <a:t>estación de destino </a:t>
+            </a:r>
+            <a:r>
+              <a:rPr b="0" lang="es-419" sz="1400">
+                <a:latin typeface="Lato"/>
+                <a:ea typeface="Lato"/>
+                <a:cs typeface="Lato"/>
+                <a:sym typeface="Lato"/>
+              </a:rPr>
+              <a:t>más usada fue Facultad de Medicina, la menos usada la de Palacio Lezama (12 devoluciones). Utilizaré la que la antecede para la siguiente respuesta.</a:t>
+            </a:r>
+            <a:endParaRPr b="0" sz="1400">
+              <a:latin typeface="Lato"/>
+              <a:ea typeface="Lato"/>
+              <a:cs typeface="Lato"/>
+              <a:sym typeface="Lato"/>
+            </a:endParaRPr>
+          </a:p>
+          <a:p>
+            <a:pPr indent="0" lvl="0" marL="0" rtl="0" algn="l">
+              <a:lnSpc>
+                <a:spcPct val="115000"/>
+              </a:lnSpc>
+              <a:spcBef>
+                <a:spcPts val="1600"/>
+              </a:spcBef>
+              <a:spcAft>
+                <a:spcPts val="0"/>
+              </a:spcAft>
+              <a:buClr>
+                <a:schemeClr val="dk2"/>
+              </a:buClr>
+              <a:buSzPts val="1100"/>
+              <a:buFont typeface="Arial"/>
+              <a:buNone/>
+            </a:pPr>
+            <a:r>
+              <a:rPr b="0" lang="es-419" sz="1400">
+                <a:latin typeface="Lato"/>
+                <a:ea typeface="Lato"/>
+                <a:cs typeface="Lato"/>
+                <a:sym typeface="Lato"/>
+              </a:rPr>
+              <a:t>c.2. Fac. Medicina:  M 69,91%, F 30,08%. Pza. Bouchard: M 79,21%, F 20,78%.</a:t>
             </a:r>
             <a:endParaRPr b="0" sz="1400">
               <a:latin typeface="Lato"/>
@@ -8514,8 +8782,36 @@
         </p:blipFill>
         <p:spPr>
           <a:xfrm>
-            <a:off x="1545537" y="1093725"/>
-            <a:ext cx="6052925" cy="3971299"/>
+            <a:off x="138623" y="1851063"/>
+            <a:ext cx="4635349" cy="2110675"/>
+          </a:xfrm>
+          <a:prstGeom prst="rect">
+            <a:avLst/>
+          </a:prstGeom>
+          <a:noFill/>
+          <a:ln>
+            <a:noFill/>
+          </a:ln>
+        </p:spPr>
+      </p:pic>
+      <p:pic>
+        <p:nvPicPr>
+          <p:cNvPr id="148" name="Google Shape;148;p22"/>
+          <p:cNvPicPr preferRelativeResize="0"/>
+          <p:nvPr/>
+        </p:nvPicPr>
+        <p:blipFill>
+          <a:blip r:embed="rId5">
+            <a:alphaModFix/>
+          </a:blip>
+          <a:stretch>
+            <a:fillRect/>
+          </a:stretch>
+        </p:blipFill>
+        <p:spPr>
+          <a:xfrm>
+            <a:off x="4773975" y="1959972"/>
+            <a:ext cx="4370025" cy="2001741"/>
           </a:xfrm>
           <a:prstGeom prst="rect">
             <a:avLst/>
@@ -8539,7 +8835,7 @@
   <p:cSld>
     <p:spTree>
       <p:nvGrpSpPr>
-        <p:cNvPr id="151" name="Shape 151"/>
+        <p:cNvPr id="152" name="Shape 152"/>
         <p:cNvGrpSpPr/>
         <p:nvPr/>
       </p:nvGrpSpPr>
@@ -8553,7 +8849,7 @@
       </p:grpSpPr>
       <p:sp>
         <p:nvSpPr>
-          <p:cNvPr id="152" name="Google Shape;152;p23"/>
+          <p:cNvPr id="153" name="Google Shape;153;p23"/>
           <p:cNvSpPr txBox="1"/>
           <p:nvPr>
             <p:ph idx="4294967295" type="title"/>
@@ -8562,7 +8858,7 @@
         <p:spPr>
           <a:xfrm>
             <a:off x="223100" y="104550"/>
-            <a:ext cx="8663400" cy="4934400"/>
+            <a:ext cx="7844400" cy="4934400"/>
           </a:xfrm>
           <a:prstGeom prst="rect">
             <a:avLst/>
@@ -8632,7 +8928,7 @@
                 <a:cs typeface="Lato"/>
                 <a:sym typeface="Lato"/>
               </a:rPr>
-              <a:t>EST. DESCRIPTIVA EDAD: Moda:  28 años, mediana: 30, promedio 33.22 años. </a:t>
+              <a:t>d. El grupo etario - creado por mí- que más utilizó EcoBici fue “jóvenes” con 1.046.796 retiros.</a:t>
             </a:r>
             <a:endParaRPr b="0" sz="1400">
               <a:latin typeface="Lato"/>
@@ -8690,6 +8986,34 @@
             <a:r>
               <a:t/>
             </a:r>
+            <a:endParaRPr b="0" sz="1400">
+              <a:latin typeface="Lato"/>
+              <a:ea typeface="Lato"/>
+              <a:cs typeface="Lato"/>
+              <a:sym typeface="Lato"/>
+            </a:endParaRPr>
+          </a:p>
+          <a:p>
+            <a:pPr indent="0" lvl="0" marL="0" rtl="0" algn="l">
+              <a:lnSpc>
+                <a:spcPct val="115000"/>
+              </a:lnSpc>
+              <a:spcBef>
+                <a:spcPts val="1600"/>
+              </a:spcBef>
+              <a:spcAft>
+                <a:spcPts val="0"/>
+              </a:spcAft>
+              <a:buClr>
+                <a:schemeClr val="dk2"/>
+              </a:buClr>
+              <a:buSzPts val="1100"/>
+              <a:buFont typeface="Arial"/>
+              <a:buNone/>
+            </a:pPr>
+            <a:r>
+              <a:t/>
+            </a:r>
             <a:endParaRPr b="0" sz="1200">
               <a:latin typeface="Lato"/>
               <a:ea typeface="Lato"/>
@@ -8841,7 +9165,7 @@
       </p:sp>
       <p:sp>
         <p:nvSpPr>
-          <p:cNvPr id="153" name="Google Shape;153;p23"/>
+          <p:cNvPr id="154" name="Google Shape;154;p23"/>
           <p:cNvSpPr txBox="1"/>
           <p:nvPr/>
         </p:nvSpPr>
@@ -8887,7 +9211,7 @@
       </p:sp>
       <p:pic>
         <p:nvPicPr>
-          <p:cNvPr id="154" name="Google Shape;154;p23"/>
+          <p:cNvPr id="155" name="Google Shape;155;p23"/>
           <p:cNvPicPr preferRelativeResize="0"/>
           <p:nvPr/>
         </p:nvPicPr>
@@ -8915,7 +9239,7 @@
       </p:pic>
       <p:pic>
         <p:nvPicPr>
-          <p:cNvPr id="155" name="Google Shape;155;p23"/>
+          <p:cNvPr id="156" name="Google Shape;156;p23"/>
           <p:cNvPicPr preferRelativeResize="0"/>
           <p:nvPr/>
         </p:nvPicPr>
@@ -8929,8 +9253,8 @@
         </p:blipFill>
         <p:spPr>
           <a:xfrm>
-            <a:off x="1510875" y="987175"/>
-            <a:ext cx="6247749" cy="4156325"/>
+            <a:off x="1289093" y="989175"/>
+            <a:ext cx="6269532" cy="4154326"/>
           </a:xfrm>
           <a:prstGeom prst="rect">
             <a:avLst/>
@@ -8954,7 +9278,7 @@
   <p:cSld>
     <p:spTree>
       <p:nvGrpSpPr>
-        <p:cNvPr id="159" name="Shape 159"/>
+        <p:cNvPr id="160" name="Shape 160"/>
         <p:cNvGrpSpPr/>
         <p:nvPr/>
       </p:nvGrpSpPr>
@@ -8968,7 +9292,7 @@
       </p:grpSpPr>
       <p:sp>
         <p:nvSpPr>
-          <p:cNvPr id="160" name="Google Shape;160;p24"/>
+          <p:cNvPr id="161" name="Google Shape;161;p24"/>
           <p:cNvSpPr txBox="1"/>
           <p:nvPr>
             <p:ph idx="4294967295" type="title"/>
@@ -8977,7 +9301,7 @@
         <p:spPr>
           <a:xfrm>
             <a:off x="223100" y="104550"/>
-            <a:ext cx="7002600" cy="4934400"/>
+            <a:ext cx="8663400" cy="4934400"/>
           </a:xfrm>
           <a:prstGeom prst="rect">
             <a:avLst/>
@@ -9041,7 +9365,13 @@
               <a:buNone/>
             </a:pPr>
             <a:r>
-              <a:t/>
+              <a:rPr b="0" lang="es-419" sz="1400">
+                <a:latin typeface="Lato"/>
+                <a:ea typeface="Lato"/>
+                <a:cs typeface="Lato"/>
+                <a:sym typeface="Lato"/>
+              </a:rPr>
+              <a:t>EST. DESCRIPTIVA, EDAD: Moda:  28 años, mediana: 30, promedio 33.22 años. </a:t>
             </a:r>
             <a:endParaRPr b="0" sz="1400">
               <a:latin typeface="Lato"/>
@@ -9250,7 +9580,7 @@
       </p:sp>
       <p:sp>
         <p:nvSpPr>
-          <p:cNvPr id="161" name="Google Shape;161;p24"/>
+          <p:cNvPr id="162" name="Google Shape;162;p24"/>
           <p:cNvSpPr txBox="1"/>
           <p:nvPr/>
         </p:nvSpPr>
@@ -9296,7 +9626,7 @@
       </p:sp>
       <p:pic>
         <p:nvPicPr>
-          <p:cNvPr id="162" name="Google Shape;162;p24"/>
+          <p:cNvPr id="163" name="Google Shape;163;p24"/>
           <p:cNvPicPr preferRelativeResize="0"/>
           <p:nvPr/>
         </p:nvPicPr>
@@ -9324,7 +9654,416 @@
       </p:pic>
       <p:pic>
         <p:nvPicPr>
-          <p:cNvPr id="163" name="Google Shape;163;p24"/>
+          <p:cNvPr id="164" name="Google Shape;164;p24"/>
+          <p:cNvPicPr preferRelativeResize="0"/>
+          <p:nvPr/>
+        </p:nvPicPr>
+        <p:blipFill>
+          <a:blip r:embed="rId4">
+            <a:alphaModFix/>
+          </a:blip>
+          <a:stretch>
+            <a:fillRect/>
+          </a:stretch>
+        </p:blipFill>
+        <p:spPr>
+          <a:xfrm>
+            <a:off x="1417225" y="929550"/>
+            <a:ext cx="6309550" cy="4213950"/>
+          </a:xfrm>
+          <a:prstGeom prst="rect">
+            <a:avLst/>
+          </a:prstGeom>
+          <a:noFill/>
+          <a:ln>
+            <a:noFill/>
+          </a:ln>
+        </p:spPr>
+      </p:pic>
+    </p:spTree>
+  </p:cSld>
+  <p:clrMapOvr>
+    <a:masterClrMapping/>
+  </p:clrMapOvr>
+</p:sld>
+</file>
+
+<file path=ppt/slides/slide13.xml><?xml version="1.0" encoding="utf-8"?>
+<p:sld xmlns:a="http://schemas.openxmlformats.org/drawingml/2006/main" xmlns:r="http://schemas.openxmlformats.org/officeDocument/2006/relationships" xmlns:mc="http://schemas.openxmlformats.org/markup-compatibility/2006" xmlns:mv="urn:schemas-microsoft-com:mac:vml" xmlns:p="http://schemas.openxmlformats.org/presentationml/2006/main" xmlns:c="http://schemas.openxmlformats.org/drawingml/2006/chart" xmlns:dgm="http://schemas.openxmlformats.org/drawingml/2006/diagram" xmlns:o="urn:schemas-microsoft-com:office:office" xmlns:v="urn:schemas-microsoft-com:vml" xmlns:pvml="urn:schemas-microsoft-com:office:powerpoint" xmlns:com="http://schemas.openxmlformats.org/drawingml/2006/compatibility" xmlns:p14="http://schemas.microsoft.com/office/powerpoint/2010/main" xmlns:p15="http://schemas.microsoft.com/office/powerpoint/2012/main">
+  <p:cSld>
+    <p:spTree>
+      <p:nvGrpSpPr>
+        <p:cNvPr id="168" name="Shape 168"/>
+        <p:cNvGrpSpPr/>
+        <p:nvPr/>
+      </p:nvGrpSpPr>
+      <p:grpSpPr>
+        <a:xfrm>
+          <a:off x="0" y="0"/>
+          <a:ext cx="0" cy="0"/>
+          <a:chOff x="0" y="0"/>
+          <a:chExt cx="0" cy="0"/>
+        </a:xfrm>
+      </p:grpSpPr>
+      <p:sp>
+        <p:nvSpPr>
+          <p:cNvPr id="169" name="Google Shape;169;p25"/>
+          <p:cNvSpPr txBox="1"/>
+          <p:nvPr>
+            <p:ph idx="4294967295" type="title"/>
+          </p:nvPr>
+        </p:nvSpPr>
+        <p:spPr>
+          <a:xfrm>
+            <a:off x="223100" y="104550"/>
+            <a:ext cx="7002600" cy="4934400"/>
+          </a:xfrm>
+          <a:prstGeom prst="rect">
+            <a:avLst/>
+          </a:prstGeom>
+        </p:spPr>
+        <p:txBody>
+          <a:bodyPr anchorCtr="0" anchor="t" bIns="91425" lIns="91425" spcFirstLastPara="1" rIns="91425" wrap="square" tIns="91425">
+            <a:noAutofit/>
+          </a:bodyPr>
+          <a:lstStyle/>
+          <a:p>
+            <a:pPr indent="0" lvl="0" marL="0" rtl="0" algn="l">
+              <a:lnSpc>
+                <a:spcPct val="115000"/>
+              </a:lnSpc>
+              <a:spcBef>
+                <a:spcPts val="0"/>
+              </a:spcBef>
+              <a:spcAft>
+                <a:spcPts val="0"/>
+              </a:spcAft>
+              <a:buClr>
+                <a:schemeClr val="dk2"/>
+              </a:buClr>
+              <a:buSzPts val="1100"/>
+              <a:buFont typeface="Arial"/>
+              <a:buNone/>
+            </a:pPr>
+            <a:r>
+              <a:rPr lang="es-419" sz="1800">
+                <a:latin typeface="Lato"/>
+                <a:ea typeface="Lato"/>
+                <a:cs typeface="Lato"/>
+                <a:sym typeface="Lato"/>
+              </a:rPr>
+              <a:t>ECOBICI: EL SISTEMA PÚBLICO DE BICICLETAS PORTEÑO</a:t>
+            </a:r>
+            <a:endParaRPr sz="1800">
+              <a:latin typeface="Lato"/>
+              <a:ea typeface="Lato"/>
+              <a:cs typeface="Lato"/>
+              <a:sym typeface="Lato"/>
+            </a:endParaRPr>
+          </a:p>
+          <a:p>
+            <a:pPr indent="0" lvl="0" marL="0" rtl="0" algn="l">
+              <a:lnSpc>
+                <a:spcPct val="115000"/>
+              </a:lnSpc>
+              <a:spcBef>
+                <a:spcPts val="1600"/>
+              </a:spcBef>
+              <a:spcAft>
+                <a:spcPts val="0"/>
+              </a:spcAft>
+              <a:buClr>
+                <a:schemeClr val="dk2"/>
+              </a:buClr>
+              <a:buSzPts val="1100"/>
+              <a:buFont typeface="Arial"/>
+              <a:buNone/>
+            </a:pPr>
+            <a:r>
+              <a:t/>
+            </a:r>
+            <a:endParaRPr b="0" sz="1400">
+              <a:latin typeface="Lato"/>
+              <a:ea typeface="Lato"/>
+              <a:cs typeface="Lato"/>
+              <a:sym typeface="Lato"/>
+            </a:endParaRPr>
+          </a:p>
+          <a:p>
+            <a:pPr indent="0" lvl="0" marL="0" rtl="0" algn="l">
+              <a:lnSpc>
+                <a:spcPct val="115000"/>
+              </a:lnSpc>
+              <a:spcBef>
+                <a:spcPts val="1600"/>
+              </a:spcBef>
+              <a:spcAft>
+                <a:spcPts val="0"/>
+              </a:spcAft>
+              <a:buClr>
+                <a:schemeClr val="dk2"/>
+              </a:buClr>
+              <a:buSzPts val="1100"/>
+              <a:buFont typeface="Arial"/>
+              <a:buNone/>
+            </a:pPr>
+            <a:r>
+              <a:t/>
+            </a:r>
+            <a:endParaRPr b="0" sz="1400">
+              <a:latin typeface="Lato"/>
+              <a:ea typeface="Lato"/>
+              <a:cs typeface="Lato"/>
+              <a:sym typeface="Lato"/>
+            </a:endParaRPr>
+          </a:p>
+          <a:p>
+            <a:pPr indent="0" lvl="0" marL="0" rtl="0" algn="l">
+              <a:lnSpc>
+                <a:spcPct val="115000"/>
+              </a:lnSpc>
+              <a:spcBef>
+                <a:spcPts val="1600"/>
+              </a:spcBef>
+              <a:spcAft>
+                <a:spcPts val="0"/>
+              </a:spcAft>
+              <a:buClr>
+                <a:schemeClr val="dk2"/>
+              </a:buClr>
+              <a:buSzPts val="1100"/>
+              <a:buFont typeface="Arial"/>
+              <a:buNone/>
+            </a:pPr>
+            <a:r>
+              <a:t/>
+            </a:r>
+            <a:endParaRPr b="0" sz="1200">
+              <a:latin typeface="Lato"/>
+              <a:ea typeface="Lato"/>
+              <a:cs typeface="Lato"/>
+              <a:sym typeface="Lato"/>
+            </a:endParaRPr>
+          </a:p>
+          <a:p>
+            <a:pPr indent="0" lvl="0" marL="0" rtl="0" algn="l">
+              <a:lnSpc>
+                <a:spcPct val="115000"/>
+              </a:lnSpc>
+              <a:spcBef>
+                <a:spcPts val="1600"/>
+              </a:spcBef>
+              <a:spcAft>
+                <a:spcPts val="0"/>
+              </a:spcAft>
+              <a:buClr>
+                <a:schemeClr val="dk2"/>
+              </a:buClr>
+              <a:buSzPts val="1100"/>
+              <a:buFont typeface="Arial"/>
+              <a:buNone/>
+            </a:pPr>
+            <a:r>
+              <a:t/>
+            </a:r>
+            <a:endParaRPr b="0" sz="1200">
+              <a:latin typeface="Lato"/>
+              <a:ea typeface="Lato"/>
+              <a:cs typeface="Lato"/>
+              <a:sym typeface="Lato"/>
+            </a:endParaRPr>
+          </a:p>
+          <a:p>
+            <a:pPr indent="0" lvl="0" marL="0" rtl="0" algn="l">
+              <a:lnSpc>
+                <a:spcPct val="115000"/>
+              </a:lnSpc>
+              <a:spcBef>
+                <a:spcPts val="1600"/>
+              </a:spcBef>
+              <a:spcAft>
+                <a:spcPts val="0"/>
+              </a:spcAft>
+              <a:buClr>
+                <a:schemeClr val="dk2"/>
+              </a:buClr>
+              <a:buSzPts val="1100"/>
+              <a:buFont typeface="Arial"/>
+              <a:buNone/>
+            </a:pPr>
+            <a:r>
+              <a:t/>
+            </a:r>
+            <a:endParaRPr b="0" sz="1200">
+              <a:latin typeface="Lato"/>
+              <a:ea typeface="Lato"/>
+              <a:cs typeface="Lato"/>
+              <a:sym typeface="Lato"/>
+            </a:endParaRPr>
+          </a:p>
+          <a:p>
+            <a:pPr indent="0" lvl="0" marL="0" rtl="0" algn="l">
+              <a:lnSpc>
+                <a:spcPct val="115000"/>
+              </a:lnSpc>
+              <a:spcBef>
+                <a:spcPts val="1600"/>
+              </a:spcBef>
+              <a:spcAft>
+                <a:spcPts val="0"/>
+              </a:spcAft>
+              <a:buClr>
+                <a:schemeClr val="dk2"/>
+              </a:buClr>
+              <a:buSzPts val="1100"/>
+              <a:buFont typeface="Arial"/>
+              <a:buNone/>
+            </a:pPr>
+            <a:r>
+              <a:t/>
+            </a:r>
+            <a:endParaRPr b="0" sz="1200">
+              <a:latin typeface="Lato"/>
+              <a:ea typeface="Lato"/>
+              <a:cs typeface="Lato"/>
+              <a:sym typeface="Lato"/>
+            </a:endParaRPr>
+          </a:p>
+          <a:p>
+            <a:pPr indent="0" lvl="0" marL="0" rtl="0" algn="l">
+              <a:lnSpc>
+                <a:spcPct val="115000"/>
+              </a:lnSpc>
+              <a:spcBef>
+                <a:spcPts val="1600"/>
+              </a:spcBef>
+              <a:spcAft>
+                <a:spcPts val="0"/>
+              </a:spcAft>
+              <a:buClr>
+                <a:schemeClr val="dk2"/>
+              </a:buClr>
+              <a:buSzPts val="1100"/>
+              <a:buFont typeface="Arial"/>
+              <a:buNone/>
+            </a:pPr>
+            <a:r>
+              <a:t/>
+            </a:r>
+            <a:endParaRPr b="0" sz="1200">
+              <a:latin typeface="Lato"/>
+              <a:ea typeface="Lato"/>
+              <a:cs typeface="Lato"/>
+              <a:sym typeface="Lato"/>
+            </a:endParaRPr>
+          </a:p>
+          <a:p>
+            <a:pPr indent="0" lvl="0" marL="0" rtl="0" algn="l">
+              <a:lnSpc>
+                <a:spcPct val="115000"/>
+              </a:lnSpc>
+              <a:spcBef>
+                <a:spcPts val="1600"/>
+              </a:spcBef>
+              <a:spcAft>
+                <a:spcPts val="1600"/>
+              </a:spcAft>
+              <a:buClr>
+                <a:schemeClr val="dk2"/>
+              </a:buClr>
+              <a:buSzPts val="1100"/>
+              <a:buFont typeface="Arial"/>
+              <a:buNone/>
+            </a:pPr>
+            <a:r>
+              <a:t/>
+            </a:r>
+            <a:endParaRPr b="0" sz="1200">
+              <a:latin typeface="Lato"/>
+              <a:ea typeface="Lato"/>
+              <a:cs typeface="Lato"/>
+              <a:sym typeface="Lato"/>
+            </a:endParaRPr>
+          </a:p>
+        </p:txBody>
+      </p:sp>
+      <p:sp>
+        <p:nvSpPr>
+          <p:cNvPr id="170" name="Google Shape;170;p25"/>
+          <p:cNvSpPr txBox="1"/>
+          <p:nvPr/>
+        </p:nvSpPr>
+        <p:spPr>
+          <a:xfrm>
+            <a:off x="7101750" y="1742125"/>
+            <a:ext cx="1921200" cy="1760100"/>
+          </a:xfrm>
+          <a:prstGeom prst="rect">
+            <a:avLst/>
+          </a:prstGeom>
+          <a:noFill/>
+          <a:ln>
+            <a:noFill/>
+          </a:ln>
+        </p:spPr>
+        <p:txBody>
+          <a:bodyPr anchorCtr="0" anchor="t" bIns="91425" lIns="91425" spcFirstLastPara="1" rIns="91425" wrap="square" tIns="91425">
+            <a:noAutofit/>
+          </a:bodyPr>
+          <a:lstStyle/>
+          <a:p>
+            <a:pPr indent="0" lvl="0" marL="0" rtl="0" algn="l">
+              <a:spcBef>
+                <a:spcPts val="0"/>
+              </a:spcBef>
+              <a:spcAft>
+                <a:spcPts val="0"/>
+              </a:spcAft>
+              <a:buNone/>
+            </a:pPr>
+            <a:r>
+              <a:t/>
+            </a:r>
+            <a:endParaRPr>
+              <a:latin typeface="Lato"/>
+              <a:ea typeface="Lato"/>
+              <a:cs typeface="Lato"/>
+              <a:sym typeface="Lato"/>
+            </a:endParaRPr>
+          </a:p>
+        </p:txBody>
+      </p:sp>
+      <p:pic>
+        <p:nvPicPr>
+          <p:cNvPr id="171" name="Google Shape;171;p25"/>
+          <p:cNvPicPr preferRelativeResize="0"/>
+          <p:nvPr/>
+        </p:nvPicPr>
+        <p:blipFill>
+          <a:blip r:embed="rId3">
+            <a:alphaModFix/>
+          </a:blip>
+          <a:stretch>
+            <a:fillRect/>
+          </a:stretch>
+        </p:blipFill>
+        <p:spPr>
+          <a:xfrm>
+            <a:off x="8067575" y="182525"/>
+            <a:ext cx="955376" cy="911199"/>
+          </a:xfrm>
+          <a:prstGeom prst="rect">
+            <a:avLst/>
+          </a:prstGeom>
+          <a:noFill/>
+          <a:ln>
+            <a:noFill/>
+          </a:ln>
+        </p:spPr>
+      </p:pic>
+      <p:pic>
+        <p:nvPicPr>
+          <p:cNvPr id="172" name="Google Shape;172;p25"/>
           <p:cNvPicPr preferRelativeResize="0"/>
           <p:nvPr/>
         </p:nvPicPr>
@@ -9352,7 +10091,7 @@
       </p:pic>
       <p:sp>
         <p:nvSpPr>
-          <p:cNvPr id="164" name="Google Shape;164;p24"/>
+          <p:cNvPr id="173" name="Google Shape;173;p25"/>
           <p:cNvSpPr txBox="1"/>
           <p:nvPr/>
         </p:nvSpPr>
@@ -9397,7 +10136,7 @@
                 <a:cs typeface="Lato"/>
                 <a:sym typeface="Lato"/>
               </a:rPr>
-              <a:t>e. NO HAY VIAJES SIN FINALIZAR EN EL DATASET,dado que coinciden el </a:t>
+              <a:t>e. NO HAY VIAJES SIN FINALIZAR EN EL DATASET, dado que coinciden el </a:t>
             </a:r>
             <a:r>
               <a:rPr b="1" lang="es-419">
@@ -9493,7 +10232,7 @@
       </p:sp>
       <p:pic>
         <p:nvPicPr>
-          <p:cNvPr id="165" name="Google Shape;165;p24"/>
+          <p:cNvPr id="174" name="Google Shape;174;p25"/>
           <p:cNvPicPr preferRelativeResize="0"/>
           <p:nvPr/>
         </p:nvPicPr>
@@ -9527,7 +10266,7 @@
 </p:sld>
 </file>
 
-<file path=ppt/slides/slide13.xml><?xml version="1.0" encoding="utf-8"?>
+<file path=ppt/slides/slide14.xml><?xml version="1.0" encoding="utf-8"?>
 <p:sld xmlns:a="http://schemas.openxmlformats.org/drawingml/2006/main" xmlns:r="http://schemas.openxmlformats.org/officeDocument/2006/relationships" xmlns:mc="http://schemas.openxmlformats.org/markup-compatibility/2006" xmlns:mv="urn:schemas-microsoft-com:mac:vml" xmlns:p="http://schemas.openxmlformats.org/presentationml/2006/main" xmlns:c="http://schemas.openxmlformats.org/drawingml/2006/chart" xmlns:dgm="http://schemas.openxmlformats.org/drawingml/2006/diagram" xmlns:o="urn:schemas-microsoft-com:office:office" xmlns:v="urn:schemas-microsoft-com:vml" xmlns:pvml="urn:schemas-microsoft-com:office:powerpoint" xmlns:com="http://schemas.openxmlformats.org/drawingml/2006/compatibility" xmlns:p14="http://schemas.microsoft.com/office/powerpoint/2010/main" xmlns:p15="http://schemas.microsoft.com/office/powerpoint/2012/main">
   <p:cSld>
     <p:bg>
@@ -9539,7 +10278,7 @@
     </p:bg>
     <p:spTree>
       <p:nvGrpSpPr>
-        <p:cNvPr id="169" name="Shape 169"/>
+        <p:cNvPr id="178" name="Shape 178"/>
         <p:cNvGrpSpPr/>
         <p:nvPr/>
       </p:nvGrpSpPr>
@@ -9553,7 +10292,7 @@
       </p:grpSpPr>
       <p:sp>
         <p:nvSpPr>
-          <p:cNvPr id="170" name="Google Shape;170;p25"/>
+          <p:cNvPr id="179" name="Google Shape;179;p26"/>
           <p:cNvSpPr txBox="1"/>
           <p:nvPr>
             <p:ph type="title"/>
@@ -9561,7 +10300,7 @@
         </p:nvSpPr>
         <p:spPr>
           <a:xfrm>
-            <a:off x="109200" y="378900"/>
+            <a:off x="109200" y="304550"/>
             <a:ext cx="8925600" cy="4764600"/>
           </a:xfrm>
           <a:prstGeom prst="rect">
@@ -9613,7 +10352,7 @@
                   <a:schemeClr val="accent5"/>
                 </a:solidFill>
               </a:rPr>
-              <a:t>¿Qué otras preguntas se les ocurren para hacerse con este Dataset?</a:t>
+              <a:t>¿Qué otras preguntas/consideraciones se les ocurren para hacerse con este Dataset?</a:t>
             </a:r>
             <a:endParaRPr sz="1800">
               <a:solidFill>
@@ -9699,7 +10438,7 @@
                   <a:srgbClr val="F3F3F3"/>
                 </a:solidFill>
               </a:rPr>
-              <a:t>... comparar los porcentajes de uso por parte de M o F entre BA y otras ciudades, como por ejemplo Amsterdam, ciudad paradigma del uso de la bicicleta y de la igualdad.</a:t>
+              <a:t>...comparar los porcentajes de uso por parte de M o F entre BA y otras ciudades, como por ejemplo Amsterdam, ciudad paradigma del uso de la bicicleta y de la igualdad.</a:t>
             </a:r>
             <a:endParaRPr sz="1800">
               <a:solidFill>
@@ -9737,7 +10476,12 @@
               <a:buNone/>
             </a:pPr>
             <a:r>
-              <a:t/>
+              <a:rPr lang="es-419" sz="1800">
+                <a:solidFill>
+                  <a:srgbClr val="F3F3F3"/>
+                </a:solidFill>
+              </a:rPr>
+              <a:t>…reflexionar sobre las implicancias para las administraciones públicas: si con esta pequeña muestra ya encontramos un error en Wikipedia, ¿hasta qué punto las administraciones se van a plegar a abrir los datos que muestran los resultados e impactos de sus políticas públicas?</a:t>
             </a:r>
             <a:endParaRPr sz="1800">
               <a:solidFill>
@@ -9756,6 +10500,44 @@
               <a:buNone/>
             </a:pPr>
             <a:r>
+              <a:t/>
+            </a:r>
+            <a:endParaRPr sz="1800">
+              <a:solidFill>
+                <a:srgbClr val="F3F3F3"/>
+              </a:solidFill>
+            </a:endParaRPr>
+          </a:p>
+          <a:p>
+            <a:pPr indent="0" lvl="0" marL="0" rtl="0" algn="l">
+              <a:spcBef>
+                <a:spcPts val="0"/>
+              </a:spcBef>
+              <a:spcAft>
+                <a:spcPts val="0"/>
+              </a:spcAft>
+              <a:buNone/>
+            </a:pPr>
+            <a:r>
+              <a:t/>
+            </a:r>
+            <a:endParaRPr sz="1800">
+              <a:solidFill>
+                <a:srgbClr val="F3F3F3"/>
+              </a:solidFill>
+            </a:endParaRPr>
+          </a:p>
+          <a:p>
+            <a:pPr indent="0" lvl="0" marL="0" rtl="0" algn="l">
+              <a:spcBef>
+                <a:spcPts val="0"/>
+              </a:spcBef>
+              <a:spcAft>
+                <a:spcPts val="0"/>
+              </a:spcAft>
+              <a:buNone/>
+            </a:pPr>
+            <a:r>
               <a:rPr lang="es-419" sz="1800">
                 <a:solidFill>
                   <a:srgbClr val="F3F3F3"/>
@@ -9764,6 +10546,86 @@
               <a:t>¡Gracias!</a:t>
             </a:r>
             <a:endParaRPr sz="1800">
+              <a:solidFill>
+                <a:srgbClr val="F3F3F3"/>
+              </a:solidFill>
+            </a:endParaRPr>
+          </a:p>
+        </p:txBody>
+      </p:sp>
+    </p:spTree>
+  </p:cSld>
+  <p:clrMapOvr>
+    <a:masterClrMapping/>
+  </p:clrMapOvr>
+</p:sld>
+</file>
+
+<file path=ppt/slides/slide15.xml><?xml version="1.0" encoding="utf-8"?>
+<p:sld xmlns:a="http://schemas.openxmlformats.org/drawingml/2006/main" xmlns:r="http://schemas.openxmlformats.org/officeDocument/2006/relationships" xmlns:mc="http://schemas.openxmlformats.org/markup-compatibility/2006" xmlns:mv="urn:schemas-microsoft-com:mac:vml" xmlns:p="http://schemas.openxmlformats.org/presentationml/2006/main" xmlns:c="http://schemas.openxmlformats.org/drawingml/2006/chart" xmlns:dgm="http://schemas.openxmlformats.org/drawingml/2006/diagram" xmlns:o="urn:schemas-microsoft-com:office:office" xmlns:v="urn:schemas-microsoft-com:vml" xmlns:pvml="urn:schemas-microsoft-com:office:powerpoint" xmlns:com="http://schemas.openxmlformats.org/drawingml/2006/compatibility" xmlns:p14="http://schemas.microsoft.com/office/powerpoint/2010/main" xmlns:p15="http://schemas.microsoft.com/office/powerpoint/2012/main">
+  <p:cSld>
+    <p:bg>
+      <p:bgPr>
+        <a:solidFill>
+          <a:srgbClr val="5400FF"/>
+        </a:solidFill>
+      </p:bgPr>
+    </p:bg>
+    <p:spTree>
+      <p:nvGrpSpPr>
+        <p:cNvPr id="183" name="Shape 183"/>
+        <p:cNvGrpSpPr/>
+        <p:nvPr/>
+      </p:nvGrpSpPr>
+      <p:grpSpPr>
+        <a:xfrm>
+          <a:off x="0" y="0"/>
+          <a:ext cx="0" cy="0"/>
+          <a:chOff x="0" y="0"/>
+          <a:chExt cx="0" cy="0"/>
+        </a:xfrm>
+      </p:grpSpPr>
+      <p:sp>
+        <p:nvSpPr>
+          <p:cNvPr id="184" name="Google Shape;184;p27"/>
+          <p:cNvSpPr txBox="1"/>
+          <p:nvPr>
+            <p:ph type="title"/>
+          </p:nvPr>
+        </p:nvSpPr>
+        <p:spPr>
+          <a:xfrm>
+            <a:off x="3418150" y="2237100"/>
+            <a:ext cx="2184000" cy="669300"/>
+          </a:xfrm>
+          <a:prstGeom prst="rect">
+            <a:avLst/>
+          </a:prstGeom>
+        </p:spPr>
+        <p:txBody>
+          <a:bodyPr anchorCtr="0" anchor="t" bIns="91425" lIns="91425" spcFirstLastPara="1" rIns="91425" wrap="square" tIns="91425">
+            <a:noAutofit/>
+          </a:bodyPr>
+          <a:lstStyle/>
+          <a:p>
+            <a:pPr indent="0" lvl="0" marL="0" rtl="0" algn="l">
+              <a:spcBef>
+                <a:spcPts val="0"/>
+              </a:spcBef>
+              <a:spcAft>
+                <a:spcPts val="0"/>
+              </a:spcAft>
+              <a:buNone/>
+            </a:pPr>
+            <a:r>
+              <a:rPr lang="es-419" sz="3600">
+                <a:solidFill>
+                  <a:srgbClr val="F3F3F3"/>
+                </a:solidFill>
+              </a:rPr>
+              <a:t>¡Gracias!</a:t>
+            </a:r>
+            <a:endParaRPr sz="3600">
               <a:solidFill>
                 <a:srgbClr val="F3F3F3"/>
               </a:solidFill>
@@ -12805,7 +13667,7 @@
         <p:spPr>
           <a:xfrm>
             <a:off x="223100" y="104550"/>
-            <a:ext cx="7002600" cy="4934400"/>
+            <a:ext cx="8155200" cy="4934400"/>
           </a:xfrm>
           <a:prstGeom prst="rect">
             <a:avLst/>
@@ -12875,7 +13737,7 @@
                 <a:cs typeface="Lato"/>
                 <a:sym typeface="Lato"/>
               </a:rPr>
-              <a:t>b. En “épocas de calor” se usan menos, pero hay un repunte con la primavera. </a:t>
+              <a:t>b. En “épocas de calor” se usan menos, pero hubo un repunte con la primavera (y en el agosto previo).</a:t>
             </a:r>
             <a:endParaRPr b="0" sz="1400">
               <a:latin typeface="Lato"/>
@@ -13172,8 +14034,8 @@
         </p:blipFill>
         <p:spPr>
           <a:xfrm>
-            <a:off x="1747098" y="989175"/>
-            <a:ext cx="6204930" cy="4049775"/>
+            <a:off x="1494025" y="989175"/>
+            <a:ext cx="6155955" cy="4049775"/>
           </a:xfrm>
           <a:prstGeom prst="rect">
             <a:avLst/>
@@ -13290,7 +14152,25 @@
                 <a:cs typeface="Lato"/>
                 <a:sym typeface="Lato"/>
               </a:rPr>
-              <a:t>c.1. La estación más usada fue Facultad de Medicina, la menos usada la de Palacio Lezama (5 retiros). Utilizaré la que la antecede para la siguiente respuesta.</a:t>
+              <a:t>c.1. La </a:t>
+            </a:r>
+            <a:r>
+              <a:rPr lang="es-419" sz="1400">
+                <a:latin typeface="Lato"/>
+                <a:ea typeface="Lato"/>
+                <a:cs typeface="Lato"/>
+                <a:sym typeface="Lato"/>
+              </a:rPr>
+              <a:t>estación de origen </a:t>
+            </a:r>
+            <a:r>
+              <a:rPr b="0" lang="es-419" sz="1400">
+                <a:latin typeface="Lato"/>
+                <a:ea typeface="Lato"/>
+                <a:cs typeface="Lato"/>
+                <a:sym typeface="Lato"/>
+              </a:rPr>
+              <a:t>más usada fue Facultad de Medicina, la menos usada la de Palacio Lezama (5 retiros). Utilizaré la que la antecede para la siguiente respuesta.</a:t>
             </a:r>
             <a:endParaRPr b="0" sz="1400">
               <a:latin typeface="Lato"/>
@@ -13670,6 +14550,285 @@
 </file>
 
 <file path=ppt/theme/theme1.xml><?xml version="1.0" encoding="utf-8"?>
+<a:theme xmlns:a="http://schemas.openxmlformats.org/drawingml/2006/main" xmlns:r="http://schemas.openxmlformats.org/officeDocument/2006/relationships">
+  <a:themeElements>
+    <a:clrScheme name="Default">
+      <a:dk1>
+        <a:srgbClr val="000000"/>
+      </a:dk1>
+      <a:lt1>
+        <a:srgbClr val="FFFFFF"/>
+      </a:lt1>
+      <a:dk2>
+        <a:srgbClr val="158158"/>
+      </a:dk2>
+      <a:lt2>
+        <a:srgbClr val="F3F3F3"/>
+      </a:lt2>
+      <a:accent1>
+        <a:srgbClr val="058DC7"/>
+      </a:accent1>
+      <a:accent2>
+        <a:srgbClr val="50B432"/>
+      </a:accent2>
+      <a:accent3>
+        <a:srgbClr val="ED561B"/>
+      </a:accent3>
+      <a:accent4>
+        <a:srgbClr val="EDEF00"/>
+      </a:accent4>
+      <a:accent5>
+        <a:srgbClr val="24CBE5"/>
+      </a:accent5>
+      <a:accent6>
+        <a:srgbClr val="64E572"/>
+      </a:accent6>
+      <a:hlink>
+        <a:srgbClr val="2200CC"/>
+      </a:hlink>
+      <a:folHlink>
+        <a:srgbClr val="551A8B"/>
+      </a:folHlink>
+    </a:clrScheme>
+    <a:fontScheme name="Office">
+      <a:majorFont>
+        <a:latin typeface="Arial"/>
+        <a:ea typeface=""/>
+        <a:cs typeface=""/>
+        <a:font script="Jpan" typeface="ＭＳ Ｐゴシック"/>
+        <a:font script="Hang" typeface="맑은 고딕"/>
+        <a:font script="Hans" typeface="宋体"/>
+        <a:font script="Hant" typeface="新細明體"/>
+        <a:font script="Arab" typeface="Times New Roman"/>
+        <a:font script="Hebr" typeface="Times New Roman"/>
+        <a:font script="Thai" typeface="Angsana New"/>
+        <a:font script="Ethi" typeface="Nyala"/>
+        <a:font script="Beng" typeface="Vrinda"/>
+        <a:font script="Gujr" typeface="Shruti"/>
+        <a:font script="Khmr" typeface="MoolBoran"/>
+        <a:font script="Knda" typeface="Tunga"/>
+        <a:font script="Guru" typeface="Raavi"/>
+        <a:font script="Cans" typeface="Euphemia"/>
+        <a:font script="Cher" typeface="Plantagenet Cherokee"/>
+        <a:font script="Yiii" typeface="Microsoft Yi Baiti"/>
+        <a:font script="Tibt" typeface="Microsoft Himalaya"/>
+        <a:font script="Thaa" typeface="MV Boli"/>
+        <a:font script="Deva" typeface="Mangal"/>
+        <a:font script="Telu" typeface="Gautami"/>
+        <a:font script="Taml" typeface="Latha"/>
+        <a:font script="Syrc" typeface="Estrangelo Edessa"/>
+        <a:font script="Orya" typeface="Kalinga"/>
+        <a:font script="Mlym" typeface="Kartika"/>
+        <a:font script="Laoo" typeface="DokChampa"/>
+        <a:font script="Sinh" typeface="Iskoola Pota"/>
+        <a:font script="Mong" typeface="Mongolian Baiti"/>
+        <a:font script="Viet" typeface="Times New Roman"/>
+        <a:font script="Uigh" typeface="Microsoft Uighur"/>
+        <a:font script="Geor" typeface="Sylfaen"/>
+      </a:majorFont>
+      <a:minorFont>
+        <a:latin typeface="Arial"/>
+        <a:ea typeface=""/>
+        <a:cs typeface=""/>
+        <a:font script="Jpan" typeface="ＭＳ Ｐゴシック"/>
+        <a:font script="Hang" typeface="맑은 고딕"/>
+        <a:font script="Hans" typeface="宋体"/>
+        <a:font script="Hant" typeface="新細明體"/>
+        <a:font script="Arab" typeface="Arial"/>
+        <a:font script="Hebr" typeface="Arial"/>
+        <a:font script="Thai" typeface="Cordia New"/>
+        <a:font script="Ethi" typeface="Nyala"/>
+        <a:font script="Beng" typeface="Vrinda"/>
+        <a:font script="Gujr" typeface="Shruti"/>
+        <a:font script="Khmr" typeface="DaunPenh"/>
+        <a:font script="Knda" typeface="Tunga"/>
+        <a:font script="Guru" typeface="Raavi"/>
+        <a:font script="Cans" typeface="Euphemia"/>
+        <a:font script="Cher" typeface="Plantagenet Cherokee"/>
+        <a:font script="Yiii" typeface="Microsoft Yi Baiti"/>
+        <a:font script="Tibt" typeface="Microsoft Himalaya"/>
+        <a:font script="Thaa" typeface="MV Boli"/>
+        <a:font script="Deva" typeface="Mangal"/>
+        <a:font script="Telu" typeface="Gautami"/>
+        <a:font script="Taml" typeface="Latha"/>
+        <a:font script="Syrc" typeface="Estrangelo Edessa"/>
+        <a:font script="Orya" typeface="Kalinga"/>
+        <a:font script="Mlym" typeface="Kartika"/>
+        <a:font script="Laoo" typeface="DokChampa"/>
+        <a:font script="Sinh" typeface="Iskoola Pota"/>
+        <a:font script="Mong" typeface="Mongolian Baiti"/>
+        <a:font script="Viet" typeface="Arial"/>
+        <a:font script="Uigh" typeface="Microsoft Uighur"/>
+        <a:font script="Geor" typeface="Sylfaen"/>
+      </a:minorFont>
+    </a:fontScheme>
+    <a:fmtScheme name="Office">
+      <a:fillStyleLst>
+        <a:solidFill>
+          <a:schemeClr val="phClr"/>
+        </a:solidFill>
+        <a:gradFill rotWithShape="1">
+          <a:gsLst>
+            <a:gs pos="0">
+              <a:schemeClr val="phClr">
+                <a:tint val="50000"/>
+                <a:satMod val="300000"/>
+              </a:schemeClr>
+            </a:gs>
+            <a:gs pos="35000">
+              <a:schemeClr val="phClr">
+                <a:tint val="37000"/>
+                <a:satMod val="300000"/>
+              </a:schemeClr>
+            </a:gs>
+            <a:gs pos="100000">
+              <a:schemeClr val="phClr">
+                <a:tint val="15000"/>
+                <a:satMod val="350000"/>
+              </a:schemeClr>
+            </a:gs>
+          </a:gsLst>
+          <a:lin ang="16200000" scaled="1"/>
+        </a:gradFill>
+        <a:gradFill rotWithShape="1">
+          <a:gsLst>
+            <a:gs pos="0">
+              <a:schemeClr val="phClr">
+                <a:tint val="100000"/>
+                <a:shade val="100000"/>
+                <a:satMod val="130000"/>
+              </a:schemeClr>
+            </a:gs>
+            <a:gs pos="100000">
+              <a:schemeClr val="phClr">
+                <a:tint val="50000"/>
+                <a:shade val="100000"/>
+                <a:satMod val="350000"/>
+              </a:schemeClr>
+            </a:gs>
+          </a:gsLst>
+          <a:lin ang="16200000" scaled="0"/>
+        </a:gradFill>
+      </a:fillStyleLst>
+      <a:lnStyleLst>
+        <a:ln w="9525" cap="flat" cmpd="sng" algn="ctr">
+          <a:solidFill>
+            <a:schemeClr val="phClr">
+              <a:shade val="95000"/>
+              <a:satMod val="105000"/>
+            </a:schemeClr>
+          </a:solidFill>
+          <a:prstDash val="solid"/>
+        </a:ln>
+        <a:ln w="25400" cap="flat" cmpd="sng" algn="ctr">
+          <a:solidFill>
+            <a:schemeClr val="phClr"/>
+          </a:solidFill>
+          <a:prstDash val="solid"/>
+        </a:ln>
+        <a:ln w="38100" cap="flat" cmpd="sng" algn="ctr">
+          <a:solidFill>
+            <a:schemeClr val="phClr"/>
+          </a:solidFill>
+          <a:prstDash val="solid"/>
+        </a:ln>
+      </a:lnStyleLst>
+      <a:effectStyleLst>
+        <a:effectStyle>
+          <a:effectLst>
+            <a:outerShdw blurRad="40000" dist="20000" dir="5400000" rotWithShape="0">
+              <a:srgbClr val="000000">
+                <a:alpha val="38000"/>
+              </a:srgbClr>
+            </a:outerShdw>
+          </a:effectLst>
+        </a:effectStyle>
+        <a:effectStyle>
+          <a:effectLst>
+            <a:outerShdw blurRad="40000" dist="23000" dir="5400000" rotWithShape="0">
+              <a:srgbClr val="000000">
+                <a:alpha val="35000"/>
+              </a:srgbClr>
+            </a:outerShdw>
+          </a:effectLst>
+        </a:effectStyle>
+        <a:effectStyle>
+          <a:effectLst>
+            <a:outerShdw blurRad="40000" dist="23000" dir="5400000" rotWithShape="0">
+              <a:srgbClr val="000000">
+                <a:alpha val="35000"/>
+              </a:srgbClr>
+            </a:outerShdw>
+          </a:effectLst>
+          <a:scene3d>
+            <a:camera prst="orthographicFront">
+              <a:rot lat="0" lon="0" rev="0"/>
+            </a:camera>
+            <a:lightRig rig="threePt" dir="t">
+              <a:rot lat="0" lon="0" rev="1200000"/>
+            </a:lightRig>
+          </a:scene3d>
+          <a:sp3d>
+            <a:bevelT w="63500" h="25400"/>
+          </a:sp3d>
+        </a:effectStyle>
+      </a:effectStyleLst>
+      <a:bgFillStyleLst>
+        <a:solidFill>
+          <a:schemeClr val="phClr"/>
+        </a:solidFill>
+        <a:gradFill rotWithShape="1">
+          <a:gsLst>
+            <a:gs pos="0">
+              <a:schemeClr val="phClr">
+                <a:tint val="40000"/>
+                <a:satMod val="350000"/>
+              </a:schemeClr>
+            </a:gs>
+            <a:gs pos="40000">
+              <a:schemeClr val="phClr">
+                <a:tint val="45000"/>
+                <a:shade val="99000"/>
+                <a:satMod val="350000"/>
+              </a:schemeClr>
+            </a:gs>
+            <a:gs pos="100000">
+              <a:schemeClr val="phClr">
+                <a:shade val="20000"/>
+                <a:satMod val="255000"/>
+              </a:schemeClr>
+            </a:gs>
+          </a:gsLst>
+          <a:path path="circle">
+            <a:fillToRect l="50000" t="-80000" r="50000" b="180000"/>
+          </a:path>
+        </a:gradFill>
+        <a:gradFill rotWithShape="1">
+          <a:gsLst>
+            <a:gs pos="0">
+              <a:schemeClr val="phClr">
+                <a:tint val="80000"/>
+                <a:satMod val="300000"/>
+              </a:schemeClr>
+            </a:gs>
+            <a:gs pos="100000">
+              <a:schemeClr val="phClr">
+                <a:shade val="30000"/>
+                <a:satMod val="200000"/>
+              </a:schemeClr>
+            </a:gs>
+          </a:gsLst>
+          <a:path path="circle">
+            <a:fillToRect l="50000" t="50000" r="50000" b="50000"/>
+          </a:path>
+        </a:gradFill>
+      </a:bgFillStyleLst>
+    </a:fmtScheme>
+  </a:themeElements>
+</a:theme>
+</file>
+
+<file path=ppt/theme/theme2.xml><?xml version="1.0" encoding="utf-8"?>
 <a:theme xmlns:a="http://schemas.openxmlformats.org/drawingml/2006/main" xmlns:r="http://schemas.openxmlformats.org/officeDocument/2006/relationships" name="Swiss">
   <a:themeElements>
     <a:clrScheme name="Swiss">
@@ -13946,283 +15105,4 @@
     </a:fmtScheme>
   </a:themeElements>
 </a:theme>
-</file>
-
-<file path=ppt/theme/theme2.xml><?xml version="1.0" encoding="utf-8"?>
-<a:theme xmlns:a="http://schemas.openxmlformats.org/drawingml/2006/main" xmlns:r="http://schemas.openxmlformats.org/officeDocument/2006/relationships">
-  <a:themeElements>
-    <a:clrScheme name="Default">
-      <a:dk1>
-        <a:srgbClr val="000000"/>
-      </a:dk1>
-      <a:lt1>
-        <a:srgbClr val="FFFFFF"/>
-      </a:lt1>
-      <a:dk2>
-        <a:srgbClr val="158158"/>
-      </a:dk2>
-      <a:lt2>
-        <a:srgbClr val="F3F3F3"/>
-      </a:lt2>
-      <a:accent1>
-        <a:srgbClr val="058DC7"/>
-      </a:accent1>
-      <a:accent2>
-        <a:srgbClr val="50B432"/>
-      </a:accent2>
-      <a:accent3>
-        <a:srgbClr val="ED561B"/>
-      </a:accent3>
-      <a:accent4>
-        <a:srgbClr val="EDEF00"/>
-      </a:accent4>
-      <a:accent5>
-        <a:srgbClr val="24CBE5"/>
-      </a:accent5>
-      <a:accent6>
-        <a:srgbClr val="64E572"/>
-      </a:accent6>
-      <a:hlink>
-        <a:srgbClr val="2200CC"/>
-      </a:hlink>
-      <a:folHlink>
-        <a:srgbClr val="551A8B"/>
-      </a:folHlink>
-    </a:clrScheme>
-    <a:fontScheme name="Office">
-      <a:majorFont>
-        <a:latin typeface="Arial"/>
-        <a:ea typeface=""/>
-        <a:cs typeface=""/>
-        <a:font script="Jpan" typeface="ＭＳ Ｐゴシック"/>
-        <a:font script="Hang" typeface="맑은 고딕"/>
-        <a:font script="Hans" typeface="宋体"/>
-        <a:font script="Hant" typeface="新細明體"/>
-        <a:font script="Arab" typeface="Times New Roman"/>
-        <a:font script="Hebr" typeface="Times New Roman"/>
-        <a:font script="Thai" typeface="Angsana New"/>
-        <a:font script="Ethi" typeface="Nyala"/>
-        <a:font script="Beng" typeface="Vrinda"/>
-        <a:font script="Gujr" typeface="Shruti"/>
-        <a:font script="Khmr" typeface="MoolBoran"/>
-        <a:font script="Knda" typeface="Tunga"/>
-        <a:font script="Guru" typeface="Raavi"/>
-        <a:font script="Cans" typeface="Euphemia"/>
-        <a:font script="Cher" typeface="Plantagenet Cherokee"/>
-        <a:font script="Yiii" typeface="Microsoft Yi Baiti"/>
-        <a:font script="Tibt" typeface="Microsoft Himalaya"/>
-        <a:font script="Thaa" typeface="MV Boli"/>
-        <a:font script="Deva" typeface="Mangal"/>
-        <a:font script="Telu" typeface="Gautami"/>
-        <a:font script="Taml" typeface="Latha"/>
-        <a:font script="Syrc" typeface="Estrangelo Edessa"/>
-        <a:font script="Orya" typeface="Kalinga"/>
-        <a:font script="Mlym" typeface="Kartika"/>
-        <a:font script="Laoo" typeface="DokChampa"/>
-        <a:font script="Sinh" typeface="Iskoola Pota"/>
-        <a:font script="Mong" typeface="Mongolian Baiti"/>
-        <a:font script="Viet" typeface="Times New Roman"/>
-        <a:font script="Uigh" typeface="Microsoft Uighur"/>
-        <a:font script="Geor" typeface="Sylfaen"/>
-      </a:majorFont>
-      <a:minorFont>
-        <a:latin typeface="Arial"/>
-        <a:ea typeface=""/>
-        <a:cs typeface=""/>
-        <a:font script="Jpan" typeface="ＭＳ Ｐゴシック"/>
-        <a:font script="Hang" typeface="맑은 고딕"/>
-        <a:font script="Hans" typeface="宋体"/>
-        <a:font script="Hant" typeface="新細明體"/>
-        <a:font script="Arab" typeface="Arial"/>
-        <a:font script="Hebr" typeface="Arial"/>
-        <a:font script="Thai" typeface="Cordia New"/>
-        <a:font script="Ethi" typeface="Nyala"/>
-        <a:font script="Beng" typeface="Vrinda"/>
-        <a:font script="Gujr" typeface="Shruti"/>
-        <a:font script="Khmr" typeface="DaunPenh"/>
-        <a:font script="Knda" typeface="Tunga"/>
-        <a:font script="Guru" typeface="Raavi"/>
-        <a:font script="Cans" typeface="Euphemia"/>
-        <a:font script="Cher" typeface="Plantagenet Cherokee"/>
-        <a:font script="Yiii" typeface="Microsoft Yi Baiti"/>
-        <a:font script="Tibt" typeface="Microsoft Himalaya"/>
-        <a:font script="Thaa" typeface="MV Boli"/>
-        <a:font script="Deva" typeface="Mangal"/>
-        <a:font script="Telu" typeface="Gautami"/>
-        <a:font script="Taml" typeface="Latha"/>
-        <a:font script="Syrc" typeface="Estrangelo Edessa"/>
-        <a:font script="Orya" typeface="Kalinga"/>
-        <a:font script="Mlym" typeface="Kartika"/>
-        <a:font script="Laoo" typeface="DokChampa"/>
-        <a:font script="Sinh" typeface="Iskoola Pota"/>
-        <a:font script="Mong" typeface="Mongolian Baiti"/>
-        <a:font script="Viet" typeface="Arial"/>
-        <a:font script="Uigh" typeface="Microsoft Uighur"/>
-        <a:font script="Geor" typeface="Sylfaen"/>
-      </a:minorFont>
-    </a:fontScheme>
-    <a:fmtScheme name="Office">
-      <a:fillStyleLst>
-        <a:solidFill>
-          <a:schemeClr val="phClr"/>
-        </a:solidFill>
-        <a:gradFill rotWithShape="1">
-          <a:gsLst>
-            <a:gs pos="0">
-              <a:schemeClr val="phClr">
-                <a:tint val="50000"/>
-                <a:satMod val="300000"/>
-              </a:schemeClr>
-            </a:gs>
-            <a:gs pos="35000">
-              <a:schemeClr val="phClr">
-                <a:tint val="37000"/>
-                <a:satMod val="300000"/>
-              </a:schemeClr>
-            </a:gs>
-            <a:gs pos="100000">
-              <a:schemeClr val="phClr">
-                <a:tint val="15000"/>
-                <a:satMod val="350000"/>
-              </a:schemeClr>
-            </a:gs>
-          </a:gsLst>
-          <a:lin ang="16200000" scaled="1"/>
-        </a:gradFill>
-        <a:gradFill rotWithShape="1">
-          <a:gsLst>
-            <a:gs pos="0">
-              <a:schemeClr val="phClr">
-                <a:tint val="100000"/>
-                <a:shade val="100000"/>
-                <a:satMod val="130000"/>
-              </a:schemeClr>
-            </a:gs>
-            <a:gs pos="100000">
-              <a:schemeClr val="phClr">
-                <a:tint val="50000"/>
-                <a:shade val="100000"/>
-                <a:satMod val="350000"/>
-              </a:schemeClr>
-            </a:gs>
-          </a:gsLst>
-          <a:lin ang="16200000" scaled="0"/>
-        </a:gradFill>
-      </a:fillStyleLst>
-      <a:lnStyleLst>
-        <a:ln w="9525" cap="flat" cmpd="sng" algn="ctr">
-          <a:solidFill>
-            <a:schemeClr val="phClr">
-              <a:shade val="95000"/>
-              <a:satMod val="105000"/>
-            </a:schemeClr>
-          </a:solidFill>
-          <a:prstDash val="solid"/>
-        </a:ln>
-        <a:ln w="25400" cap="flat" cmpd="sng" algn="ctr">
-          <a:solidFill>
-            <a:schemeClr val="phClr"/>
-          </a:solidFill>
-          <a:prstDash val="solid"/>
-        </a:ln>
-        <a:ln w="38100" cap="flat" cmpd="sng" algn="ctr">
-          <a:solidFill>
-            <a:schemeClr val="phClr"/>
-          </a:solidFill>
-          <a:prstDash val="solid"/>
-        </a:ln>
-      </a:lnStyleLst>
-      <a:effectStyleLst>
-        <a:effectStyle>
-          <a:effectLst>
-            <a:outerShdw blurRad="40000" dist="20000" dir="5400000" rotWithShape="0">
-              <a:srgbClr val="000000">
-                <a:alpha val="38000"/>
-              </a:srgbClr>
-            </a:outerShdw>
-          </a:effectLst>
-        </a:effectStyle>
-        <a:effectStyle>
-          <a:effectLst>
-            <a:outerShdw blurRad="40000" dist="23000" dir="5400000" rotWithShape="0">
-              <a:srgbClr val="000000">
-                <a:alpha val="35000"/>
-              </a:srgbClr>
-            </a:outerShdw>
-          </a:effectLst>
-        </a:effectStyle>
-        <a:effectStyle>
-          <a:effectLst>
-            <a:outerShdw blurRad="40000" dist="23000" dir="5400000" rotWithShape="0">
-              <a:srgbClr val="000000">
-                <a:alpha val="35000"/>
-              </a:srgbClr>
-            </a:outerShdw>
-          </a:effectLst>
-          <a:scene3d>
-            <a:camera prst="orthographicFront">
-              <a:rot lat="0" lon="0" rev="0"/>
-            </a:camera>
-            <a:lightRig rig="threePt" dir="t">
-              <a:rot lat="0" lon="0" rev="1200000"/>
-            </a:lightRig>
-          </a:scene3d>
-          <a:sp3d>
-            <a:bevelT w="63500" h="25400"/>
-          </a:sp3d>
-        </a:effectStyle>
-      </a:effectStyleLst>
-      <a:bgFillStyleLst>
-        <a:solidFill>
-          <a:schemeClr val="phClr"/>
-        </a:solidFill>
-        <a:gradFill rotWithShape="1">
-          <a:gsLst>
-            <a:gs pos="0">
-              <a:schemeClr val="phClr">
-                <a:tint val="40000"/>
-                <a:satMod val="350000"/>
-              </a:schemeClr>
-            </a:gs>
-            <a:gs pos="40000">
-              <a:schemeClr val="phClr">
-                <a:tint val="45000"/>
-                <a:shade val="99000"/>
-                <a:satMod val="350000"/>
-              </a:schemeClr>
-            </a:gs>
-            <a:gs pos="100000">
-              <a:schemeClr val="phClr">
-                <a:shade val="20000"/>
-                <a:satMod val="255000"/>
-              </a:schemeClr>
-            </a:gs>
-          </a:gsLst>
-          <a:path path="circle">
-            <a:fillToRect l="50000" t="-80000" r="50000" b="180000"/>
-          </a:path>
-        </a:gradFill>
-        <a:gradFill rotWithShape="1">
-          <a:gsLst>
-            <a:gs pos="0">
-              <a:schemeClr val="phClr">
-                <a:tint val="80000"/>
-                <a:satMod val="300000"/>
-              </a:schemeClr>
-            </a:gs>
-            <a:gs pos="100000">
-              <a:schemeClr val="phClr">
-                <a:shade val="30000"/>
-                <a:satMod val="200000"/>
-              </a:schemeClr>
-            </a:gs>
-          </a:gsLst>
-          <a:path path="circle">
-            <a:fillToRect l="50000" t="50000" r="50000" b="50000"/>
-          </a:path>
-        </a:gradFill>
-      </a:bgFillStyleLst>
-    </a:fmtScheme>
-  </a:themeElements>
-</a:theme>
 </file>